--- a/Agenda/Ravi_Tirumalai_VisCommerce.pptx
+++ b/Agenda/Ravi_Tirumalai_VisCommerce.pptx
@@ -7650,7 +7650,7 @@
               <a:latin typeface="Times New Roman" panose="02020603050405020304" pitchFamily="18" charset="0"/>
               <a:cs typeface="Times New Roman" panose="02020603050405020304" pitchFamily="18" charset="0"/>
             </a:rPr>
-            <a:t>Innovative Solutions</a:t>
+            <a:t>Customer Journey </a:t>
           </a:r>
           <a:endParaRPr lang="en-IN" sz="2000" dirty="0">
             <a:latin typeface="Times New Roman" panose="02020603050405020304" pitchFamily="18" charset="0"/>
@@ -7977,22 +7977,28 @@
         <a:gradFill flip="none" rotWithShape="1">
           <a:gsLst>
             <a:gs pos="0">
-              <a:schemeClr val="bg1"/>
+              <a:schemeClr val="accent6">
+                <a:lumMod val="5000"/>
+                <a:lumOff val="95000"/>
+              </a:schemeClr>
             </a:gs>
-            <a:gs pos="35000">
+            <a:gs pos="34000">
               <a:schemeClr val="accent6">
                 <a:lumMod val="20000"/>
                 <a:lumOff val="80000"/>
               </a:schemeClr>
             </a:gs>
-            <a:gs pos="62000">
+            <a:gs pos="56000">
               <a:schemeClr val="accent6">
                 <a:lumMod val="20000"/>
                 <a:lumOff val="80000"/>
               </a:schemeClr>
             </a:gs>
             <a:gs pos="100000">
-              <a:schemeClr val="bg1"/>
+              <a:schemeClr val="accent6">
+                <a:lumMod val="20000"/>
+                <a:lumOff val="80000"/>
+              </a:schemeClr>
             </a:gs>
           </a:gsLst>
           <a:lin ang="5400000" scaled="1"/>
@@ -8041,22 +8047,28 @@
         <a:gradFill flip="none" rotWithShape="1">
           <a:gsLst>
             <a:gs pos="0">
-              <a:schemeClr val="bg1"/>
+              <a:schemeClr val="accent6">
+                <a:lumMod val="5000"/>
+                <a:lumOff val="95000"/>
+              </a:schemeClr>
             </a:gs>
-            <a:gs pos="35000">
+            <a:gs pos="34000">
               <a:schemeClr val="accent6">
                 <a:lumMod val="20000"/>
                 <a:lumOff val="80000"/>
               </a:schemeClr>
             </a:gs>
-            <a:gs pos="62000">
+            <a:gs pos="56000">
               <a:schemeClr val="accent6">
                 <a:lumMod val="20000"/>
                 <a:lumOff val="80000"/>
               </a:schemeClr>
             </a:gs>
             <a:gs pos="100000">
-              <a:schemeClr val="bg1"/>
+              <a:schemeClr val="accent6">
+                <a:lumMod val="20000"/>
+                <a:lumOff val="80000"/>
+              </a:schemeClr>
             </a:gs>
           </a:gsLst>
           <a:lin ang="5400000" scaled="1"/>
@@ -8075,13 +8087,13 @@
             <a:t>Leverage 3D, AI, Cloud </a:t>
           </a:r>
           <a:r>
-            <a:rPr lang="en-US" sz="2000" dirty="0" err="1">
+            <a:rPr lang="en-US" sz="1600" dirty="0" err="1">
               <a:latin typeface="Times New Roman" panose="02020603050405020304" pitchFamily="18" charset="0"/>
               <a:cs typeface="Times New Roman" panose="02020603050405020304" pitchFamily="18" charset="0"/>
             </a:rPr>
             <a:t>etc</a:t>
           </a:r>
-          <a:endParaRPr lang="en-US" sz="2000" dirty="0">
+          <a:endParaRPr lang="en-US" sz="1600" dirty="0">
             <a:latin typeface="Times New Roman" panose="02020603050405020304" pitchFamily="18" charset="0"/>
             <a:cs typeface="Times New Roman" panose="02020603050405020304" pitchFamily="18" charset="0"/>
           </a:endParaRPr>
@@ -8182,11 +8194,39 @@
         <a:lstStyle/>
         <a:p>
           <a:r>
-            <a:rPr lang="en-US" sz="2000">
+            <a:rPr lang="en-US" sz="2000" dirty="0">
               <a:latin typeface="Times New Roman" panose="02020603050405020304" pitchFamily="18" charset="0"/>
               <a:cs typeface="Times New Roman" panose="02020603050405020304" pitchFamily="18" charset="0"/>
             </a:rPr>
-            <a:t>Dramatically improve shopper experience</a:t>
+            <a:t>World’s 1</a:t>
+          </a:r>
+          <a:r>
+            <a:rPr lang="en-US" sz="2000" baseline="30000" dirty="0">
+              <a:latin typeface="Times New Roman" panose="02020603050405020304" pitchFamily="18" charset="0"/>
+              <a:cs typeface="Times New Roman" panose="02020603050405020304" pitchFamily="18" charset="0"/>
+            </a:rPr>
+            <a:t>st</a:t>
+          </a:r>
+          <a:r>
+            <a:rPr lang="en-US" sz="2000" dirty="0">
+              <a:latin typeface="Times New Roman" panose="02020603050405020304" pitchFamily="18" charset="0"/>
+              <a:cs typeface="Times New Roman" panose="02020603050405020304" pitchFamily="18" charset="0"/>
+            </a:rPr>
+            <a:t> Shopper </a:t>
+          </a:r>
+          <a:r>
+            <a:rPr lang="en-US" sz="1600" dirty="0">
+              <a:latin typeface="Times New Roman" panose="02020603050405020304" pitchFamily="18" charset="0"/>
+              <a:cs typeface="Times New Roman" panose="02020603050405020304" pitchFamily="18" charset="0"/>
+            </a:rPr>
+            <a:t>experience</a:t>
+          </a:r>
+          <a:r>
+            <a:rPr lang="en-US" sz="2000" dirty="0">
+              <a:latin typeface="Times New Roman" panose="02020603050405020304" pitchFamily="18" charset="0"/>
+              <a:cs typeface="Times New Roman" panose="02020603050405020304" pitchFamily="18" charset="0"/>
+            </a:rPr>
+            <a:t> with Digital Twins</a:t>
           </a:r>
         </a:p>
       </dgm:t>
@@ -8644,7 +8684,7 @@
       <dgm:spPr/>
     </dgm:pt>
     <dgm:pt modelId="{4D036225-6A10-44C4-AE93-A3C12355F0BE}" type="pres">
-      <dgm:prSet presAssocID="{52E6F156-8388-4D35-82D3-0709204A1E91}" presName="childShp" presStyleLbl="bgAccFollowNode1" presStyleIdx="1" presStyleCnt="2" custScaleY="135696">
+      <dgm:prSet presAssocID="{52E6F156-8388-4D35-82D3-0709204A1E91}" presName="childShp" presStyleLbl="bgAccFollowNode1" presStyleIdx="1" presStyleCnt="2" custScaleY="145930">
         <dgm:presLayoutVars>
           <dgm:bulletEnabled val="1"/>
         </dgm:presLayoutVars>
@@ -11868,7 +11908,7 @@
               <a:latin typeface="Times New Roman" panose="02020603050405020304" pitchFamily="18" charset="0"/>
               <a:cs typeface="Times New Roman" panose="02020603050405020304" pitchFamily="18" charset="0"/>
             </a:rPr>
-            <a:t>Innovative Solutions</a:t>
+            <a:t>Customer Journey </a:t>
           </a:r>
           <a:endParaRPr lang="en-IN" sz="2000" kern="1200" dirty="0">
             <a:latin typeface="Times New Roman" panose="02020603050405020304" pitchFamily="18" charset="0"/>
@@ -12209,8 +12249,8 @@
       </dsp:nvSpPr>
       <dsp:spPr>
         <a:xfrm>
-          <a:off x="4418676" y="444321"/>
-          <a:ext cx="6628014" cy="1402951"/>
+          <a:off x="4418676" y="425705"/>
+          <a:ext cx="6628014" cy="1347372"/>
         </a:xfrm>
         <a:prstGeom prst="rightArrow">
           <a:avLst>
@@ -12221,22 +12261,28 @@
         <a:gradFill flip="none" rotWithShape="1">
           <a:gsLst>
             <a:gs pos="0">
-              <a:schemeClr val="bg1"/>
+              <a:schemeClr val="accent6">
+                <a:lumMod val="5000"/>
+                <a:lumOff val="95000"/>
+              </a:schemeClr>
             </a:gs>
-            <a:gs pos="35000">
+            <a:gs pos="34000">
               <a:schemeClr val="accent6">
                 <a:lumMod val="20000"/>
                 <a:lumOff val="80000"/>
               </a:schemeClr>
             </a:gs>
-            <a:gs pos="62000">
+            <a:gs pos="56000">
               <a:schemeClr val="accent6">
                 <a:lumMod val="20000"/>
                 <a:lumOff val="80000"/>
               </a:schemeClr>
             </a:gs>
             <a:gs pos="100000">
-              <a:schemeClr val="bg1"/>
+              <a:schemeClr val="accent6">
+                <a:lumMod val="20000"/>
+                <a:lumOff val="80000"/>
+              </a:schemeClr>
             </a:gs>
           </a:gsLst>
           <a:lin ang="5400000" scaled="1"/>
@@ -12324,21 +12370,21 @@
             <a:t>Leverage 3D, AI, Cloud </a:t>
           </a:r>
           <a:r>
-            <a:rPr lang="en-US" sz="2000" kern="1200" dirty="0" err="1">
+            <a:rPr lang="en-US" sz="1600" kern="1200" dirty="0" err="1">
               <a:latin typeface="Times New Roman" panose="02020603050405020304" pitchFamily="18" charset="0"/>
               <a:cs typeface="Times New Roman" panose="02020603050405020304" pitchFamily="18" charset="0"/>
             </a:rPr>
             <a:t>etc</a:t>
           </a:r>
-          <a:endParaRPr lang="en-US" sz="2000" kern="1200" dirty="0">
+          <a:endParaRPr lang="en-US" sz="1600" kern="1200" dirty="0">
             <a:latin typeface="Times New Roman" panose="02020603050405020304" pitchFamily="18" charset="0"/>
             <a:cs typeface="Times New Roman" panose="02020603050405020304" pitchFamily="18" charset="0"/>
           </a:endParaRPr>
         </a:p>
       </dsp:txBody>
       <dsp:txXfrm>
-        <a:off x="4418676" y="619690"/>
-        <a:ext cx="6101907" cy="1052213"/>
+        <a:off x="4418676" y="594127"/>
+        <a:ext cx="6122750" cy="1010529"/>
       </dsp:txXfrm>
     </dsp:sp>
     <dsp:sp modelId="{28596EDD-FC66-4016-99D9-2125DEE13415}">
@@ -12348,8 +12394,8 @@
       </dsp:nvSpPr>
       <dsp:spPr>
         <a:xfrm>
-          <a:off x="0" y="1857"/>
-          <a:ext cx="4418676" cy="2287880"/>
+          <a:off x="0" y="769"/>
+          <a:ext cx="4418676" cy="2197244"/>
         </a:xfrm>
         <a:prstGeom prst="roundRect">
           <a:avLst/>
@@ -12416,8 +12462,8 @@
         </a:p>
       </dsp:txBody>
       <dsp:txXfrm>
-        <a:off x="111685" y="113542"/>
-        <a:ext cx="4195306" cy="2064510"/>
+        <a:off x="107261" y="108030"/>
+        <a:ext cx="4204154" cy="1982722"/>
       </dsp:txXfrm>
     </dsp:sp>
     <dsp:sp modelId="{4D036225-6A10-44C4-AE93-A3C12355F0BE}">
@@ -12427,8 +12473,8 @@
       </dsp:nvSpPr>
       <dsp:spPr>
         <a:xfrm>
-          <a:off x="4419755" y="2518525"/>
-          <a:ext cx="6621541" cy="3104562"/>
+          <a:off x="4419755" y="2417737"/>
+          <a:ext cx="6621541" cy="3206438"/>
         </a:xfrm>
         <a:prstGeom prst="rightArrow">
           <a:avLst>
@@ -12514,11 +12560,39 @@
             <a:buChar char="•"/>
           </a:pPr>
           <a:r>
-            <a:rPr lang="en-US" sz="2000" kern="1200">
+            <a:rPr lang="en-US" sz="2000" kern="1200" dirty="0">
               <a:latin typeface="Times New Roman" panose="02020603050405020304" pitchFamily="18" charset="0"/>
               <a:cs typeface="Times New Roman" panose="02020603050405020304" pitchFamily="18" charset="0"/>
             </a:rPr>
-            <a:t>Dramatically improve shopper experience</a:t>
+            <a:t>World’s 1</a:t>
+          </a:r>
+          <a:r>
+            <a:rPr lang="en-US" sz="2000" kern="1200" baseline="30000" dirty="0">
+              <a:latin typeface="Times New Roman" panose="02020603050405020304" pitchFamily="18" charset="0"/>
+              <a:cs typeface="Times New Roman" panose="02020603050405020304" pitchFamily="18" charset="0"/>
+            </a:rPr>
+            <a:t>st</a:t>
+          </a:r>
+          <a:r>
+            <a:rPr lang="en-US" sz="2000" kern="1200" dirty="0">
+              <a:latin typeface="Times New Roman" panose="02020603050405020304" pitchFamily="18" charset="0"/>
+              <a:cs typeface="Times New Roman" panose="02020603050405020304" pitchFamily="18" charset="0"/>
+            </a:rPr>
+            <a:t> Shopper </a:t>
+          </a:r>
+          <a:r>
+            <a:rPr lang="en-US" sz="1600" kern="1200" dirty="0">
+              <a:latin typeface="Times New Roman" panose="02020603050405020304" pitchFamily="18" charset="0"/>
+              <a:cs typeface="Times New Roman" panose="02020603050405020304" pitchFamily="18" charset="0"/>
+            </a:rPr>
+            <a:t>experience</a:t>
+          </a:r>
+          <a:r>
+            <a:rPr lang="en-US" sz="2000" kern="1200" dirty="0">
+              <a:latin typeface="Times New Roman" panose="02020603050405020304" pitchFamily="18" charset="0"/>
+              <a:cs typeface="Times New Roman" panose="02020603050405020304" pitchFamily="18" charset="0"/>
+            </a:rPr>
+            <a:t> with Digital Twins</a:t>
           </a:r>
         </a:p>
         <a:p>
@@ -12649,8 +12723,8 @@
         </a:p>
       </dsp:txBody>
       <dsp:txXfrm>
-        <a:off x="4419755" y="2906595"/>
-        <a:ext cx="5457330" cy="2328422"/>
+        <a:off x="4419755" y="2818542"/>
+        <a:ext cx="5419127" cy="2404828"/>
       </dsp:txXfrm>
     </dsp:sp>
     <dsp:sp modelId="{2197374B-ACCF-4ED8-84D3-9E933E8FE901}">
@@ -12660,8 +12734,8 @@
       </dsp:nvSpPr>
       <dsp:spPr>
         <a:xfrm>
-          <a:off x="5393" y="2926866"/>
-          <a:ext cx="4414361" cy="2287880"/>
+          <a:off x="5393" y="2922334"/>
+          <a:ext cx="4414361" cy="2197244"/>
         </a:xfrm>
         <a:prstGeom prst="roundRect">
           <a:avLst/>
@@ -12728,8 +12802,8 @@
         </a:p>
       </dsp:txBody>
       <dsp:txXfrm>
-        <a:off x="117078" y="3038551"/>
-        <a:ext cx="4190991" cy="2064510"/>
+        <a:off x="112654" y="3029595"/>
+        <a:ext cx="4199839" cy="1982722"/>
       </dsp:txXfrm>
     </dsp:sp>
   </dsp:spTree>
@@ -36951,7 +37025,7 @@
           <p:nvPr>
             <p:extLst>
               <p:ext uri="{D42A27DB-BD31-4B8C-83A1-F6EECF244321}">
-                <p14:modId xmlns:p14="http://schemas.microsoft.com/office/powerpoint/2010/main" val="1961813030"/>
+                <p14:modId xmlns:p14="http://schemas.microsoft.com/office/powerpoint/2010/main" val="3883149105"/>
               </p:ext>
             </p:extLst>
           </p:nvPr>
@@ -37131,7 +37205,7 @@
           <p:nvPr>
             <p:extLst>
               <p:ext uri="{D42A27DB-BD31-4B8C-83A1-F6EECF244321}">
-                <p14:modId xmlns:p14="http://schemas.microsoft.com/office/powerpoint/2010/main" val="1060159877"/>
+                <p14:modId xmlns:p14="http://schemas.microsoft.com/office/powerpoint/2010/main" val="3608251587"/>
               </p:ext>
             </p:extLst>
           </p:nvPr>

--- a/Agenda/Ravi_Tirumalai_VisCommerce.pptx
+++ b/Agenda/Ravi_Tirumalai_VisCommerce.pptx
@@ -31660,7 +31660,7 @@
           <a:p>
             <a:fld id="{08079D9A-A40C-46CD-B4EF-493AF4AAE8C9}" type="datetimeFigureOut">
               <a:rPr lang="en-US" smtClean="0"/>
-              <a:t>9/23/2025</a:t>
+              <a:t>9/24/2025</a:t>
             </a:fld>
             <a:endParaRPr lang="en-US"/>
           </a:p>
@@ -32265,7 +32265,7 @@
           <a:p>
             <a:fld id="{2A816D1A-7DB5-4F8B-BBFD-9A807E88C093}" type="datetimeFigureOut">
               <a:rPr lang="en-IN" smtClean="0"/>
-              <a:t>23-09-2025</a:t>
+              <a:t>24-09-2025</a:t>
             </a:fld>
             <a:endParaRPr lang="en-IN"/>
           </a:p>
@@ -32465,7 +32465,7 @@
           <a:p>
             <a:fld id="{2A816D1A-7DB5-4F8B-BBFD-9A807E88C093}" type="datetimeFigureOut">
               <a:rPr lang="en-IN" smtClean="0"/>
-              <a:t>23-09-2025</a:t>
+              <a:t>24-09-2025</a:t>
             </a:fld>
             <a:endParaRPr lang="en-IN"/>
           </a:p>
@@ -32675,7 +32675,7 @@
           <a:p>
             <a:fld id="{2A816D1A-7DB5-4F8B-BBFD-9A807E88C093}" type="datetimeFigureOut">
               <a:rPr lang="en-IN" smtClean="0"/>
-              <a:t>23-09-2025</a:t>
+              <a:t>24-09-2025</a:t>
             </a:fld>
             <a:endParaRPr lang="en-IN"/>
           </a:p>
@@ -32875,7 +32875,7 @@
           <a:p>
             <a:fld id="{2A816D1A-7DB5-4F8B-BBFD-9A807E88C093}" type="datetimeFigureOut">
               <a:rPr lang="en-IN" smtClean="0"/>
-              <a:t>23-09-2025</a:t>
+              <a:t>24-09-2025</a:t>
             </a:fld>
             <a:endParaRPr lang="en-IN"/>
           </a:p>
@@ -33151,7 +33151,7 @@
           <a:p>
             <a:fld id="{2A816D1A-7DB5-4F8B-BBFD-9A807E88C093}" type="datetimeFigureOut">
               <a:rPr lang="en-IN" smtClean="0"/>
-              <a:t>23-09-2025</a:t>
+              <a:t>24-09-2025</a:t>
             </a:fld>
             <a:endParaRPr lang="en-IN"/>
           </a:p>
@@ -33419,7 +33419,7 @@
           <a:p>
             <a:fld id="{2A816D1A-7DB5-4F8B-BBFD-9A807E88C093}" type="datetimeFigureOut">
               <a:rPr lang="en-IN" smtClean="0"/>
-              <a:t>23-09-2025</a:t>
+              <a:t>24-09-2025</a:t>
             </a:fld>
             <a:endParaRPr lang="en-IN"/>
           </a:p>
@@ -33834,7 +33834,7 @@
           <a:p>
             <a:fld id="{2A816D1A-7DB5-4F8B-BBFD-9A807E88C093}" type="datetimeFigureOut">
               <a:rPr lang="en-IN" smtClean="0"/>
-              <a:t>23-09-2025</a:t>
+              <a:t>24-09-2025</a:t>
             </a:fld>
             <a:endParaRPr lang="en-IN"/>
           </a:p>
@@ -33976,7 +33976,7 @@
           <a:p>
             <a:fld id="{2A816D1A-7DB5-4F8B-BBFD-9A807E88C093}" type="datetimeFigureOut">
               <a:rPr lang="en-IN" smtClean="0"/>
-              <a:t>23-09-2025</a:t>
+              <a:t>24-09-2025</a:t>
             </a:fld>
             <a:endParaRPr lang="en-IN"/>
           </a:p>
@@ -34089,7 +34089,7 @@
           <a:p>
             <a:fld id="{2A816D1A-7DB5-4F8B-BBFD-9A807E88C093}" type="datetimeFigureOut">
               <a:rPr lang="en-IN" smtClean="0"/>
-              <a:t>23-09-2025</a:t>
+              <a:t>24-09-2025</a:t>
             </a:fld>
             <a:endParaRPr lang="en-IN"/>
           </a:p>
@@ -34402,7 +34402,7 @@
           <a:p>
             <a:fld id="{2A816D1A-7DB5-4F8B-BBFD-9A807E88C093}" type="datetimeFigureOut">
               <a:rPr lang="en-IN" smtClean="0"/>
-              <a:t>23-09-2025</a:t>
+              <a:t>24-09-2025</a:t>
             </a:fld>
             <a:endParaRPr lang="en-IN"/>
           </a:p>
@@ -34691,7 +34691,7 @@
           <a:p>
             <a:fld id="{2A816D1A-7DB5-4F8B-BBFD-9A807E88C093}" type="datetimeFigureOut">
               <a:rPr lang="en-IN" smtClean="0"/>
-              <a:t>23-09-2025</a:t>
+              <a:t>24-09-2025</a:t>
             </a:fld>
             <a:endParaRPr lang="en-IN"/>
           </a:p>
@@ -34934,7 +34934,7 @@
           <a:p>
             <a:fld id="{2A816D1A-7DB5-4F8B-BBFD-9A807E88C093}" type="datetimeFigureOut">
               <a:rPr lang="en-IN" smtClean="0"/>
-              <a:t>23-09-2025</a:t>
+              <a:t>24-09-2025</a:t>
             </a:fld>
             <a:endParaRPr lang="en-IN"/>
           </a:p>
@@ -35541,7 +35541,7 @@
           </a:ln>
         </p:spPr>
         <p:txBody>
-          <a:bodyPr>
+          <a:bodyPr anchor="ctr">
             <a:noAutofit/>
           </a:bodyPr>
           <a:lstStyle/>
@@ -35555,7 +35555,7 @@
               </a:spcBef>
             </a:pPr>
             <a:r>
-              <a:rPr lang="en-US" sz="2000" dirty="0">
+              <a:rPr lang="en-US" sz="1600" dirty="0">
                 <a:solidFill>
                   <a:schemeClr val="accent6">
                     <a:lumMod val="50000"/>
@@ -35577,7 +35577,7 @@
               </a:spcBef>
             </a:pPr>
             <a:r>
-              <a:rPr lang="en-US" sz="2000" dirty="0">
+              <a:rPr lang="en-US" sz="1600" dirty="0">
                 <a:solidFill>
                   <a:schemeClr val="accent6">
                     <a:lumMod val="50000"/>
@@ -35599,7 +35599,7 @@
               </a:spcBef>
             </a:pPr>
             <a:r>
-              <a:rPr lang="en-US" sz="2000" dirty="0">
+              <a:rPr lang="en-US" sz="1600" dirty="0">
                 <a:solidFill>
                   <a:schemeClr val="accent6">
                     <a:lumMod val="50000"/>
@@ -35610,7 +35610,7 @@
               </a:rPr>
               <a:t>Sep 2025</a:t>
             </a:r>
-            <a:endParaRPr lang="en-IN" sz="2000" dirty="0">
+            <a:endParaRPr lang="en-IN" sz="1600" dirty="0">
               <a:solidFill>
                 <a:schemeClr val="accent6">
                   <a:lumMod val="50000"/>
